--- a/HUM1002 Psychology in Everyday Life/reference materials/module-7 councelling and psychotherapy/26_1_Counselling -nature and skills.pptx
+++ b/HUM1002 Psychology in Everyday Life/reference materials/module-7 councelling and psychotherapy/26_1_Counselling -nature and skills.pptx
@@ -322,7 +322,7 @@
           <a:p>
             <a:fld id="{1C4E2D76-A9AE-40E1-8525-A1F0384D2CDE}" type="datetimeFigureOut">
               <a:rPr lang="en-US" smtClean="0"/>
-              <a:t>5/8/22</a:t>
+              <a:t>5/9/22</a:t>
             </a:fld>
             <a:endParaRPr lang="en-US"/>
           </a:p>
@@ -485,7 +485,7 @@
           <a:p>
             <a:fld id="{1C4E2D76-A9AE-40E1-8525-A1F0384D2CDE}" type="datetimeFigureOut">
               <a:rPr lang="en-US" smtClean="0"/>
-              <a:t>5/8/22</a:t>
+              <a:t>5/9/22</a:t>
             </a:fld>
             <a:endParaRPr lang="en-US"/>
           </a:p>
@@ -658,7 +658,7 @@
           <a:p>
             <a:fld id="{1C4E2D76-A9AE-40E1-8525-A1F0384D2CDE}" type="datetimeFigureOut">
               <a:rPr lang="en-US" smtClean="0"/>
-              <a:t>5/8/22</a:t>
+              <a:t>5/9/22</a:t>
             </a:fld>
             <a:endParaRPr lang="en-US"/>
           </a:p>
@@ -821,7 +821,7 @@
           <a:p>
             <a:fld id="{1C4E2D76-A9AE-40E1-8525-A1F0384D2CDE}" type="datetimeFigureOut">
               <a:rPr lang="en-US" smtClean="0"/>
-              <a:t>5/8/22</a:t>
+              <a:t>5/9/22</a:t>
             </a:fld>
             <a:endParaRPr lang="en-US"/>
           </a:p>
@@ -1061,7 +1061,7 @@
           <a:p>
             <a:fld id="{1C4E2D76-A9AE-40E1-8525-A1F0384D2CDE}" type="datetimeFigureOut">
               <a:rPr lang="en-US" smtClean="0"/>
-              <a:t>5/8/22</a:t>
+              <a:t>5/9/22</a:t>
             </a:fld>
             <a:endParaRPr lang="en-US"/>
           </a:p>
@@ -1341,7 +1341,7 @@
           <a:p>
             <a:fld id="{1C4E2D76-A9AE-40E1-8525-A1F0384D2CDE}" type="datetimeFigureOut">
               <a:rPr lang="en-US" smtClean="0"/>
-              <a:t>5/8/22</a:t>
+              <a:t>5/9/22</a:t>
             </a:fld>
             <a:endParaRPr lang="en-US"/>
           </a:p>
@@ -1755,7 +1755,7 @@
           <a:p>
             <a:fld id="{1C4E2D76-A9AE-40E1-8525-A1F0384D2CDE}" type="datetimeFigureOut">
               <a:rPr lang="en-US" smtClean="0"/>
-              <a:t>5/8/22</a:t>
+              <a:t>5/9/22</a:t>
             </a:fld>
             <a:endParaRPr lang="en-US"/>
           </a:p>
@@ -1867,7 +1867,7 @@
           <a:p>
             <a:fld id="{1C4E2D76-A9AE-40E1-8525-A1F0384D2CDE}" type="datetimeFigureOut">
               <a:rPr lang="en-US" smtClean="0"/>
-              <a:t>5/8/22</a:t>
+              <a:t>5/9/22</a:t>
             </a:fld>
             <a:endParaRPr lang="en-US"/>
           </a:p>
@@ -1957,7 +1957,7 @@
           <a:p>
             <a:fld id="{1C4E2D76-A9AE-40E1-8525-A1F0384D2CDE}" type="datetimeFigureOut">
               <a:rPr lang="en-US" smtClean="0"/>
-              <a:t>5/8/22</a:t>
+              <a:t>5/9/22</a:t>
             </a:fld>
             <a:endParaRPr lang="en-US"/>
           </a:p>
@@ -2227,7 +2227,7 @@
           <a:p>
             <a:fld id="{1C4E2D76-A9AE-40E1-8525-A1F0384D2CDE}" type="datetimeFigureOut">
               <a:rPr lang="en-US" smtClean="0"/>
-              <a:t>5/8/22</a:t>
+              <a:t>5/9/22</a:t>
             </a:fld>
             <a:endParaRPr lang="en-US"/>
           </a:p>
@@ -2474,7 +2474,7 @@
           <a:p>
             <a:fld id="{1C4E2D76-A9AE-40E1-8525-A1F0384D2CDE}" type="datetimeFigureOut">
               <a:rPr lang="en-US" smtClean="0"/>
-              <a:t>5/8/22</a:t>
+              <a:t>5/9/22</a:t>
             </a:fld>
             <a:endParaRPr lang="en-US"/>
           </a:p>
@@ -2680,7 +2680,7 @@
           <a:p>
             <a:fld id="{1C4E2D76-A9AE-40E1-8525-A1F0384D2CDE}" type="datetimeFigureOut">
               <a:rPr lang="en-US" smtClean="0"/>
-              <a:t>5/8/22</a:t>
+              <a:t>5/9/22</a:t>
             </a:fld>
             <a:endParaRPr lang="en-US"/>
           </a:p>
@@ -3568,7 +3568,7 @@
         </p:blipFill>
         <p:spPr bwMode="auto">
           <a:xfrm>
-            <a:off x="153673" y="533400"/>
+            <a:off x="152400" y="225733"/>
             <a:ext cx="8533127" cy="6406534"/>
           </a:xfrm>
           <a:prstGeom prst="rect">
